--- a/proguard.pptx
+++ b/proguard.pptx
@@ -6,7 +6,8 @@
   </p:sldMasterIdLst>
   <p:sldIdLst>
     <p:sldId id="257" r:id="rId2"/>
-    <p:sldId id="258" r:id="rId3"/>
+    <p:sldId id="259" r:id="rId3"/>
+    <p:sldId id="258" r:id="rId4"/>
   </p:sldIdLst>
   <p:sldSz cx="12192000" cy="6858000"/>
   <p:notesSz cx="6858000" cy="9144000"/>
@@ -299,7 +300,7 @@
           <a:p>
             <a:fld id="{4AAD347D-5ACD-4C99-B74B-A9C85AD731AF}" type="datetimeFigureOut">
               <a:rPr lang="en-US" dirty="0"/>
-              <a:t>5/10/2015</a:t>
+              <a:t>5/11/2015</a:t>
             </a:fld>
             <a:endParaRPr lang="en-US" dirty="0"/>
           </a:p>
@@ -569,7 +570,7 @@
           <a:p>
             <a:fld id="{4509A250-FF31-4206-8172-F9D3106AACB1}" type="datetimeFigureOut">
               <a:rPr lang="en-US" dirty="0"/>
-              <a:t>5/10/2015</a:t>
+              <a:t>5/11/2015</a:t>
             </a:fld>
             <a:endParaRPr lang="en-US" dirty="0"/>
           </a:p>
@@ -758,7 +759,7 @@
           <a:p>
             <a:fld id="{4509A250-FF31-4206-8172-F9D3106AACB1}" type="datetimeFigureOut">
               <a:rPr lang="en-US" dirty="0"/>
-              <a:t>5/10/2015</a:t>
+              <a:t>5/11/2015</a:t>
             </a:fld>
             <a:endParaRPr lang="en-US" dirty="0"/>
           </a:p>
@@ -1026,7 +1027,7 @@
           <a:p>
             <a:fld id="{4509A250-FF31-4206-8172-F9D3106AACB1}" type="datetimeFigureOut">
               <a:rPr lang="en-US" dirty="0"/>
-              <a:t>5/10/2015</a:t>
+              <a:t>5/11/2015</a:t>
             </a:fld>
             <a:endParaRPr lang="en-US" dirty="0"/>
           </a:p>
@@ -1362,7 +1363,7 @@
           <a:p>
             <a:fld id="{4509A250-FF31-4206-8172-F9D3106AACB1}" type="datetimeFigureOut">
               <a:rPr lang="en-US" dirty="0"/>
-              <a:t>5/10/2015</a:t>
+              <a:t>5/11/2015</a:t>
             </a:fld>
             <a:endParaRPr lang="en-US" dirty="0"/>
           </a:p>
@@ -1980,7 +1981,7 @@
           <a:p>
             <a:fld id="{4509A250-FF31-4206-8172-F9D3106AACB1}" type="datetimeFigureOut">
               <a:rPr lang="en-US" dirty="0"/>
-              <a:t>5/10/2015</a:t>
+              <a:t>5/11/2015</a:t>
             </a:fld>
             <a:endParaRPr lang="en-US" dirty="0"/>
           </a:p>
@@ -2835,7 +2836,7 @@
           <a:p>
             <a:fld id="{4509A250-FF31-4206-8172-F9D3106AACB1}" type="datetimeFigureOut">
               <a:rPr lang="en-US" dirty="0"/>
-              <a:t>5/10/2015</a:t>
+              <a:t>5/11/2015</a:t>
             </a:fld>
             <a:endParaRPr lang="en-US" dirty="0"/>
           </a:p>
@@ -3000,7 +3001,7 @@
           <a:p>
             <a:fld id="{4509A250-FF31-4206-8172-F9D3106AACB1}" type="datetimeFigureOut">
               <a:rPr lang="en-US" dirty="0"/>
-              <a:t>5/10/2015</a:t>
+              <a:t>5/11/2015</a:t>
             </a:fld>
             <a:endParaRPr lang="en-US" dirty="0"/>
           </a:p>
@@ -3175,7 +3176,7 @@
           <a:p>
             <a:fld id="{4509A250-FF31-4206-8172-F9D3106AACB1}" type="datetimeFigureOut">
               <a:rPr lang="en-US" dirty="0"/>
-              <a:t>5/10/2015</a:t>
+              <a:t>5/11/2015</a:t>
             </a:fld>
             <a:endParaRPr lang="en-US" dirty="0"/>
           </a:p>
@@ -3340,7 +3341,7 @@
           <a:p>
             <a:fld id="{4509A250-FF31-4206-8172-F9D3106AACB1}" type="datetimeFigureOut">
               <a:rPr lang="en-US" dirty="0"/>
-              <a:t>5/10/2015</a:t>
+              <a:t>5/11/2015</a:t>
             </a:fld>
             <a:endParaRPr lang="en-US" dirty="0"/>
           </a:p>
@@ -3582,7 +3583,7 @@
           <a:p>
             <a:fld id="{9796027F-7875-4030-9381-8BD8C4F21935}" type="datetimeFigureOut">
               <a:rPr lang="en-US" dirty="0"/>
-              <a:t>5/10/2015</a:t>
+              <a:t>5/11/2015</a:t>
             </a:fld>
             <a:endParaRPr lang="en-US" dirty="0"/>
           </a:p>
@@ -3869,7 +3870,7 @@
           <a:p>
             <a:fld id="{9796027F-7875-4030-9381-8BD8C4F21935}" type="datetimeFigureOut">
               <a:rPr lang="en-US" dirty="0"/>
-              <a:t>5/10/2015</a:t>
+              <a:t>5/11/2015</a:t>
             </a:fld>
             <a:endParaRPr lang="en-US" dirty="0"/>
           </a:p>
@@ -4308,7 +4309,7 @@
           <a:p>
             <a:fld id="{9796027F-7875-4030-9381-8BD8C4F21935}" type="datetimeFigureOut">
               <a:rPr lang="en-US" dirty="0"/>
-              <a:t>5/10/2015</a:t>
+              <a:t>5/11/2015</a:t>
             </a:fld>
             <a:endParaRPr lang="en-US" dirty="0"/>
           </a:p>
@@ -4421,7 +4422,7 @@
           <a:p>
             <a:fld id="{4509A250-FF31-4206-8172-F9D3106AACB1}" type="datetimeFigureOut">
               <a:rPr lang="en-US" dirty="0"/>
-              <a:t>5/10/2015</a:t>
+              <a:t>5/11/2015</a:t>
             </a:fld>
             <a:endParaRPr lang="en-US" dirty="0"/>
           </a:p>
@@ -4511,7 +4512,7 @@
           <a:p>
             <a:fld id="{4509A250-FF31-4206-8172-F9D3106AACB1}" type="datetimeFigureOut">
               <a:rPr lang="en-US" dirty="0"/>
-              <a:t>5/10/2015</a:t>
+              <a:t>5/11/2015</a:t>
             </a:fld>
             <a:endParaRPr lang="en-US" dirty="0"/>
           </a:p>
@@ -4785,7 +4786,7 @@
           <a:p>
             <a:fld id="{4509A250-FF31-4206-8172-F9D3106AACB1}" type="datetimeFigureOut">
               <a:rPr lang="en-US" dirty="0"/>
-              <a:t>5/10/2015</a:t>
+              <a:t>5/11/2015</a:t>
             </a:fld>
             <a:endParaRPr lang="en-US" dirty="0"/>
           </a:p>
@@ -5055,7 +5056,7 @@
           <a:p>
             <a:fld id="{4509A250-FF31-4206-8172-F9D3106AACB1}" type="datetimeFigureOut">
               <a:rPr lang="en-US" dirty="0"/>
-              <a:t>5/10/2015</a:t>
+              <a:t>5/11/2015</a:t>
             </a:fld>
             <a:endParaRPr lang="en-US" dirty="0"/>
           </a:p>
@@ -5479,7 +5480,7 @@
           <a:p>
             <a:fld id="{4AAD347D-5ACD-4C99-B74B-A9C85AD731AF}" type="datetimeFigureOut">
               <a:rPr lang="en-US" dirty="0"/>
-              <a:t>5/10/2015</a:t>
+              <a:t>5/11/2015</a:t>
             </a:fld>
             <a:endParaRPr lang="en-US" dirty="0"/>
           </a:p>
@@ -6213,16 +6214,126 @@
           </a:effectLst>
         </p:spPr>
       </p:pic>
-      <p:sp>
-        <p:nvSpPr>
-          <p:cNvPr id="2" name="TextBox 1"/>
+      <p:pic>
+        <p:nvPicPr>
+          <p:cNvPr id="2" name="Picture 1"/>
+          <p:cNvPicPr>
+            <a:picLocks noChangeAspect="1"/>
+          </p:cNvPicPr>
+          <p:nvPr/>
+        </p:nvPicPr>
+        <p:blipFill>
+          <a:blip r:embed="rId3">
+            <a:extLst>
+              <a:ext uri="{28A0092B-C50C-407E-A947-70E740481C1C}">
+                <a14:useLocalDpi xmlns:a14="http://schemas.microsoft.com/office/drawing/2010/main" val="0"/>
+              </a:ext>
+            </a:extLst>
+          </a:blip>
+          <a:stretch>
+            <a:fillRect/>
+          </a:stretch>
+        </p:blipFill>
+        <p:spPr>
+          <a:xfrm>
+            <a:off x="1888761" y="431944"/>
+            <a:ext cx="7702430" cy="6051301"/>
+          </a:xfrm>
+          <a:prstGeom prst="rect">
+            <a:avLst/>
+          </a:prstGeom>
+        </p:spPr>
+      </p:pic>
+    </p:spTree>
+    <p:extLst>
+      <p:ext uri="{BB962C8B-B14F-4D97-AF65-F5344CB8AC3E}">
+        <p14:creationId xmlns:p14="http://schemas.microsoft.com/office/powerpoint/2010/main" val="3515018552"/>
+      </p:ext>
+    </p:extLst>
+  </p:cSld>
+  <p:clrMapOvr>
+    <a:masterClrMapping/>
+  </p:clrMapOvr>
+  <p:timing>
+    <p:tnLst>
+      <p:par>
+        <p:cTn id="1" dur="indefinite" restart="never" nodeType="tmRoot"/>
+      </p:par>
+    </p:tnLst>
+  </p:timing>
+</p:sld>
+</file>
+
+<file path=ppt/slides/slide3.xml><?xml version="1.0" encoding="utf-8"?>
+<p:sld xmlns:a="http://schemas.openxmlformats.org/drawingml/2006/main" xmlns:r="http://schemas.openxmlformats.org/officeDocument/2006/relationships" xmlns:p="http://schemas.openxmlformats.org/presentationml/2006/main">
+  <p:cSld>
+    <p:spTree>
+      <p:nvGrpSpPr>
+        <p:cNvPr id="1" name=""/>
+        <p:cNvGrpSpPr/>
+        <p:nvPr/>
+      </p:nvGrpSpPr>
+      <p:grpSpPr>
+        <a:xfrm>
+          <a:off x="0" y="0"/>
+          <a:ext cx="0" cy="0"/>
+          <a:chOff x="0" y="0"/>
+          <a:chExt cx="0" cy="0"/>
+        </a:xfrm>
+      </p:grpSpPr>
+      <p:pic>
+        <p:nvPicPr>
+          <p:cNvPr id="4" name="Picture 3"/>
+          <p:cNvPicPr>
+            <a:picLocks noChangeAspect="1"/>
+          </p:cNvPicPr>
+          <p:nvPr/>
+        </p:nvPicPr>
+        <p:blipFill rotWithShape="1">
+          <a:blip r:embed="rId2">
+            <a:extLst>
+              <a:ext uri="{28A0092B-C50C-407E-A947-70E740481C1C}">
+                <a14:useLocalDpi xmlns:a14="http://schemas.microsoft.com/office/drawing/2010/main" val="0"/>
+              </a:ext>
+            </a:extLst>
+          </a:blip>
+          <a:srcRect t="16788" b="18122"/>
+          <a:stretch/>
+        </p:blipFill>
+        <p:spPr>
+          <a:xfrm>
+            <a:off x="10354082" y="294546"/>
+            <a:ext cx="857250" cy="557984"/>
+          </a:xfrm>
+          <a:prstGeom prst="rect">
+            <a:avLst/>
+          </a:prstGeom>
+          <a:ln w="38100" cap="sq">
+            <a:solidFill>
+              <a:srgbClr val="000000"/>
+            </a:solidFill>
+            <a:prstDash val="solid"/>
+            <a:miter lim="800000"/>
+          </a:ln>
+          <a:effectLst>
+            <a:outerShdw blurRad="50800" dist="38100" algn="l" rotWithShape="0">
+              <a:prstClr val="black">
+                <a:alpha val="40000"/>
+              </a:prstClr>
+            </a:outerShdw>
+          </a:effectLst>
+        </p:spPr>
+      </p:pic>
+      <p:sp>
+        <p:nvSpPr>
+          <p:cNvPr id="6" name="TextBox 5"/>
           <p:cNvSpPr txBox="1"/>
           <p:nvPr/>
         </p:nvSpPr>
         <p:spPr>
           <a:xfrm>
-            <a:off x="4093326" y="1572560"/>
-            <a:ext cx="6260756" cy="4154984"/>
+            <a:off x="731493" y="3030581"/>
+            <a:ext cx="10101263" cy="584775"/>
           </a:xfrm>
           <a:prstGeom prst="rect">
             <a:avLst/>
@@ -6235,63 +6346,75 @@
           </a:bodyPr>
           <a:lstStyle/>
           <a:p>
-            <a:pPr marL="285750" indent="-285750">
-              <a:lnSpc>
-                <a:spcPct val="150000"/>
-              </a:lnSpc>
-              <a:buFont typeface="Arial" panose="020B0604020202020204" pitchFamily="34" charset="0"/>
-              <a:buChar char="•"/>
-            </a:pPr>
-            <a:r>
-              <a:rPr lang="en-US" sz="4400"/>
-              <a:t>Preverify</a:t>
-            </a:r>
-          </a:p>
-          <a:p>
-            <a:pPr marL="285750" indent="-285750">
-              <a:lnSpc>
-                <a:spcPct val="150000"/>
-              </a:lnSpc>
-              <a:buFont typeface="Arial" panose="020B0604020202020204" pitchFamily="34" charset="0"/>
-              <a:buChar char="•"/>
-            </a:pPr>
-            <a:r>
-              <a:rPr lang="en-US" sz="4400" smtClean="0"/>
-              <a:t>Shrink</a:t>
-            </a:r>
-          </a:p>
-          <a:p>
-            <a:pPr marL="285750" indent="-285750">
-              <a:lnSpc>
-                <a:spcPct val="150000"/>
-              </a:lnSpc>
-              <a:buFont typeface="Arial" panose="020B0604020202020204" pitchFamily="34" charset="0"/>
-              <a:buChar char="•"/>
-            </a:pPr>
-            <a:r>
-              <a:rPr lang="en-US" sz="4400" smtClean="0"/>
-              <a:t>Optimize</a:t>
-            </a:r>
-          </a:p>
-          <a:p>
-            <a:pPr marL="285750" indent="-285750">
-              <a:lnSpc>
-                <a:spcPct val="150000"/>
-              </a:lnSpc>
-              <a:buFont typeface="Arial" panose="020B0604020202020204" pitchFamily="34" charset="0"/>
-              <a:buChar char="•"/>
-            </a:pPr>
-            <a:r>
-              <a:rPr lang="en-US" sz="4400" smtClean="0"/>
-              <a:t>Obfuscate</a:t>
-            </a:r>
+            <a:pPr algn="ctr"/>
+            <a:r>
+              <a:rPr lang="en-US" sz="3200" smtClean="0"/>
+              <a:t>Hvala!</a:t>
+            </a:r>
+            <a:endParaRPr lang="en-US" sz="3200"/>
+          </a:p>
+        </p:txBody>
+      </p:sp>
+      <p:sp>
+        <p:nvSpPr>
+          <p:cNvPr id="7" name="TextBox 6"/>
+          <p:cNvSpPr txBox="1"/>
+          <p:nvPr/>
+        </p:nvSpPr>
+        <p:spPr>
+          <a:xfrm>
+            <a:off x="731494" y="5699684"/>
+            <a:ext cx="5133976" cy="584775"/>
+          </a:xfrm>
+          <a:prstGeom prst="rect">
+            <a:avLst/>
+          </a:prstGeom>
+          <a:noFill/>
+        </p:spPr>
+        <p:txBody>
+          <a:bodyPr wrap="square" rtlCol="0">
+            <a:spAutoFit/>
+          </a:bodyPr>
+          <a:lstStyle/>
+          <a:p>
+            <a:r>
+              <a:rPr lang="en-US" smtClean="0"/>
+              <a:t>Marko Elezovi</a:t>
+            </a:r>
+            <a:r>
+              <a:rPr lang="hr-HR" smtClean="0"/>
+              <a:t>ć</a:t>
+            </a:r>
+          </a:p>
+          <a:p>
+            <a:r>
+              <a:rPr lang="hr-HR" sz="1400" smtClean="0">
+                <a:solidFill>
+                  <a:srgbClr val="FFFF00"/>
+                </a:solidFill>
+              </a:rPr>
+              <a:t>M</a:t>
+            </a:r>
+            <a:r>
+              <a:rPr lang="en-US" sz="1400" smtClean="0">
+                <a:solidFill>
+                  <a:srgbClr val="FFFF00"/>
+                </a:solidFill>
+              </a:rPr>
+              <a:t>entat Labs d.o.o.</a:t>
+            </a:r>
+            <a:endParaRPr lang="en-US" sz="1400">
+              <a:solidFill>
+                <a:srgbClr val="FFFF00"/>
+              </a:solidFill>
+            </a:endParaRPr>
           </a:p>
         </p:txBody>
       </p:sp>
     </p:spTree>
     <p:extLst>
       <p:ext uri="{BB962C8B-B14F-4D97-AF65-F5344CB8AC3E}">
-        <p14:creationId xmlns:p14="http://schemas.microsoft.com/office/powerpoint/2010/main" val="2794808437"/>
+        <p14:creationId xmlns:p14="http://schemas.microsoft.com/office/powerpoint/2010/main" val="457131397"/>
       </p:ext>
     </p:extLst>
   </p:cSld>
